--- a/PPT/Node-JS.pptx
+++ b/PPT/Node-JS.pptx
@@ -106,6 +106,11 @@
       </a:defRPr>
     </a:lvl9pPr>
   </p:defaultTextStyle>
+  <p:extLst>
+    <p:ext uri="{EFAFB233-063F-42B5-8137-9DF3F51BA10A}">
+      <p15:sldGuideLst xmlns:p15="http://schemas.microsoft.com/office/powerpoint/2012/main"/>
+    </p:ext>
+  </p:extLst>
 </p:presentation>
 </file>
 
@@ -337,7 +342,7 @@
           <a:p>
             <a:fld id="{60D3F0CA-2C82-4101-A512-E9EDA640E2B4}" type="datetimeFigureOut">
               <a:rPr lang="en-US" smtClean="0"/>
-              <a:t>4/6/2015</a:t>
+              <a:t>4/7/2015</a:t>
             </a:fld>
             <a:endParaRPr lang="en-US"/>
           </a:p>
@@ -545,7 +550,7 @@
           <a:p>
             <a:fld id="{60D3F0CA-2C82-4101-A512-E9EDA640E2B4}" type="datetimeFigureOut">
               <a:rPr lang="en-US" smtClean="0"/>
-              <a:t>4/6/2015</a:t>
+              <a:t>4/7/2015</a:t>
             </a:fld>
             <a:endParaRPr lang="en-US"/>
           </a:p>
@@ -803,7 +808,7 @@
           <a:p>
             <a:fld id="{60D3F0CA-2C82-4101-A512-E9EDA640E2B4}" type="datetimeFigureOut">
               <a:rPr lang="en-US" smtClean="0"/>
-              <a:t>4/6/2015</a:t>
+              <a:t>4/7/2015</a:t>
             </a:fld>
             <a:endParaRPr lang="en-US"/>
           </a:p>
@@ -973,7 +978,7 @@
           <a:p>
             <a:fld id="{60D3F0CA-2C82-4101-A512-E9EDA640E2B4}" type="datetimeFigureOut">
               <a:rPr lang="en-US" smtClean="0"/>
-              <a:t>4/6/2015</a:t>
+              <a:t>4/7/2015</a:t>
             </a:fld>
             <a:endParaRPr lang="en-US"/>
           </a:p>
@@ -1310,7 +1315,7 @@
           <a:p>
             <a:fld id="{60D3F0CA-2C82-4101-A512-E9EDA640E2B4}" type="datetimeFigureOut">
               <a:rPr lang="en-US" smtClean="0"/>
-              <a:t>4/6/2015</a:t>
+              <a:t>4/7/2015</a:t>
             </a:fld>
             <a:endParaRPr lang="en-US"/>
           </a:p>
@@ -1585,7 +1590,7 @@
           <a:p>
             <a:fld id="{60D3F0CA-2C82-4101-A512-E9EDA640E2B4}" type="datetimeFigureOut">
               <a:rPr lang="en-US" smtClean="0"/>
-              <a:t>4/6/2015</a:t>
+              <a:t>4/7/2015</a:t>
             </a:fld>
             <a:endParaRPr lang="en-US"/>
           </a:p>
@@ -1964,7 +1969,7 @@
           <a:p>
             <a:fld id="{60D3F0CA-2C82-4101-A512-E9EDA640E2B4}" type="datetimeFigureOut">
               <a:rPr lang="en-US" smtClean="0"/>
-              <a:t>4/6/2015</a:t>
+              <a:t>4/7/2015</a:t>
             </a:fld>
             <a:endParaRPr lang="en-US"/>
           </a:p>
@@ -2082,7 +2087,7 @@
           <a:p>
             <a:fld id="{60D3F0CA-2C82-4101-A512-E9EDA640E2B4}" type="datetimeFigureOut">
               <a:rPr lang="en-US" smtClean="0"/>
-              <a:t>4/6/2015</a:t>
+              <a:t>4/7/2015</a:t>
             </a:fld>
             <a:endParaRPr lang="en-US"/>
           </a:p>
@@ -2255,7 +2260,7 @@
           <a:p>
             <a:fld id="{60D3F0CA-2C82-4101-A512-E9EDA640E2B4}" type="datetimeFigureOut">
               <a:rPr lang="en-US" smtClean="0"/>
-              <a:t>4/6/2015</a:t>
+              <a:t>4/7/2015</a:t>
             </a:fld>
             <a:endParaRPr lang="en-US"/>
           </a:p>
@@ -2611,7 +2616,7 @@
           <a:p>
             <a:fld id="{60D3F0CA-2C82-4101-A512-E9EDA640E2B4}" type="datetimeFigureOut">
               <a:rPr lang="en-US" smtClean="0"/>
-              <a:t>4/6/2015</a:t>
+              <a:t>4/7/2015</a:t>
             </a:fld>
             <a:endParaRPr lang="en-US"/>
           </a:p>
@@ -2990,7 +2995,7 @@
           <a:p>
             <a:fld id="{60D3F0CA-2C82-4101-A512-E9EDA640E2B4}" type="datetimeFigureOut">
               <a:rPr lang="en-US" smtClean="0"/>
-              <a:t>4/6/2015</a:t>
+              <a:t>4/7/2015</a:t>
             </a:fld>
             <a:endParaRPr lang="en-US"/>
           </a:p>
@@ -3279,7 +3284,7 @@
           <a:p>
             <a:fld id="{60D3F0CA-2C82-4101-A512-E9EDA640E2B4}" type="datetimeFigureOut">
               <a:rPr lang="en-US" smtClean="0"/>
-              <a:t>4/6/2015</a:t>
+              <a:t>4/7/2015</a:t>
             </a:fld>
             <a:endParaRPr lang="en-US"/>
           </a:p>
@@ -4063,8 +4068,35 @@
             </a:r>
             <a:r>
               <a:rPr lang="en-US" dirty="0" smtClean="0"/>
-              <a:t>’, same as RVM.</a:t>
-            </a:r>
+              <a:t>’, same as RVM</a:t>
+            </a:r>
+            <a:r>
+              <a:rPr lang="en-US" dirty="0" smtClean="0"/>
+              <a:t>.</a:t>
+            </a:r>
+          </a:p>
+          <a:p>
+            <a:r>
+              <a:rPr lang="en-US" dirty="0" smtClean="0"/>
+              <a:t>Cloud 9</a:t>
+            </a:r>
+          </a:p>
+          <a:p>
+            <a:r>
+              <a:rPr lang="en-US" dirty="0" smtClean="0"/>
+              <a:t>Node’s Event loop</a:t>
+            </a:r>
+          </a:p>
+          <a:p>
+            <a:endParaRPr lang="en-US" dirty="0"/>
+          </a:p>
+          <a:p>
+            <a:r>
+              <a:rPr lang="en-US" dirty="0" smtClean="0"/>
+              <a:t>Christmas tree problem</a:t>
+            </a:r>
+          </a:p>
+          <a:p>
             <a:endParaRPr lang="en-US" dirty="0"/>
           </a:p>
         </p:txBody>

--- a/PPT/Node-JS.pptx
+++ b/PPT/Node-JS.pptx
@@ -8,6 +8,8 @@
     <p:sldId id="256" r:id="rId2"/>
     <p:sldId id="257" r:id="rId3"/>
     <p:sldId id="258" r:id="rId4"/>
+    <p:sldId id="259" r:id="rId5"/>
+    <p:sldId id="260" r:id="rId6"/>
   </p:sldIdLst>
   <p:sldSz cx="12192000" cy="6858000"/>
   <p:notesSz cx="6858000" cy="9144000"/>
@@ -342,7 +344,7 @@
           <a:p>
             <a:fld id="{60D3F0CA-2C82-4101-A512-E9EDA640E2B4}" type="datetimeFigureOut">
               <a:rPr lang="en-US" smtClean="0"/>
-              <a:t>4/7/2015</a:t>
+              <a:t>4/8/2015</a:t>
             </a:fld>
             <a:endParaRPr lang="en-US"/>
           </a:p>
@@ -550,7 +552,7 @@
           <a:p>
             <a:fld id="{60D3F0CA-2C82-4101-A512-E9EDA640E2B4}" type="datetimeFigureOut">
               <a:rPr lang="en-US" smtClean="0"/>
-              <a:t>4/7/2015</a:t>
+              <a:t>4/8/2015</a:t>
             </a:fld>
             <a:endParaRPr lang="en-US"/>
           </a:p>
@@ -808,7 +810,7 @@
           <a:p>
             <a:fld id="{60D3F0CA-2C82-4101-A512-E9EDA640E2B4}" type="datetimeFigureOut">
               <a:rPr lang="en-US" smtClean="0"/>
-              <a:t>4/7/2015</a:t>
+              <a:t>4/8/2015</a:t>
             </a:fld>
             <a:endParaRPr lang="en-US"/>
           </a:p>
@@ -978,7 +980,7 @@
           <a:p>
             <a:fld id="{60D3F0CA-2C82-4101-A512-E9EDA640E2B4}" type="datetimeFigureOut">
               <a:rPr lang="en-US" smtClean="0"/>
-              <a:t>4/7/2015</a:t>
+              <a:t>4/8/2015</a:t>
             </a:fld>
             <a:endParaRPr lang="en-US"/>
           </a:p>
@@ -1315,7 +1317,7 @@
           <a:p>
             <a:fld id="{60D3F0CA-2C82-4101-A512-E9EDA640E2B4}" type="datetimeFigureOut">
               <a:rPr lang="en-US" smtClean="0"/>
-              <a:t>4/7/2015</a:t>
+              <a:t>4/8/2015</a:t>
             </a:fld>
             <a:endParaRPr lang="en-US"/>
           </a:p>
@@ -1590,7 +1592,7 @@
           <a:p>
             <a:fld id="{60D3F0CA-2C82-4101-A512-E9EDA640E2B4}" type="datetimeFigureOut">
               <a:rPr lang="en-US" smtClean="0"/>
-              <a:t>4/7/2015</a:t>
+              <a:t>4/8/2015</a:t>
             </a:fld>
             <a:endParaRPr lang="en-US"/>
           </a:p>
@@ -1969,7 +1971,7 @@
           <a:p>
             <a:fld id="{60D3F0CA-2C82-4101-A512-E9EDA640E2B4}" type="datetimeFigureOut">
               <a:rPr lang="en-US" smtClean="0"/>
-              <a:t>4/7/2015</a:t>
+              <a:t>4/8/2015</a:t>
             </a:fld>
             <a:endParaRPr lang="en-US"/>
           </a:p>
@@ -2087,7 +2089,7 @@
           <a:p>
             <a:fld id="{60D3F0CA-2C82-4101-A512-E9EDA640E2B4}" type="datetimeFigureOut">
               <a:rPr lang="en-US" smtClean="0"/>
-              <a:t>4/7/2015</a:t>
+              <a:t>4/8/2015</a:t>
             </a:fld>
             <a:endParaRPr lang="en-US"/>
           </a:p>
@@ -2260,7 +2262,7 @@
           <a:p>
             <a:fld id="{60D3F0CA-2C82-4101-A512-E9EDA640E2B4}" type="datetimeFigureOut">
               <a:rPr lang="en-US" smtClean="0"/>
-              <a:t>4/7/2015</a:t>
+              <a:t>4/8/2015</a:t>
             </a:fld>
             <a:endParaRPr lang="en-US"/>
           </a:p>
@@ -2616,7 +2618,7 @@
           <a:p>
             <a:fld id="{60D3F0CA-2C82-4101-A512-E9EDA640E2B4}" type="datetimeFigureOut">
               <a:rPr lang="en-US" smtClean="0"/>
-              <a:t>4/7/2015</a:t>
+              <a:t>4/8/2015</a:t>
             </a:fld>
             <a:endParaRPr lang="en-US"/>
           </a:p>
@@ -2995,7 +2997,7 @@
           <a:p>
             <a:fld id="{60D3F0CA-2C82-4101-A512-E9EDA640E2B4}" type="datetimeFigureOut">
               <a:rPr lang="en-US" smtClean="0"/>
-              <a:t>4/7/2015</a:t>
+              <a:t>4/8/2015</a:t>
             </a:fld>
             <a:endParaRPr lang="en-US"/>
           </a:p>
@@ -3284,7 +3286,7 @@
           <a:p>
             <a:fld id="{60D3F0CA-2C82-4101-A512-E9EDA640E2B4}" type="datetimeFigureOut">
               <a:rPr lang="en-US" smtClean="0"/>
-              <a:t>4/7/2015</a:t>
+              <a:t>4/8/2015</a:t>
             </a:fld>
             <a:endParaRPr lang="en-US"/>
           </a:p>
@@ -4068,11 +4070,7 @@
             </a:r>
             <a:r>
               <a:rPr lang="en-US" dirty="0" smtClean="0"/>
-              <a:t>’, same as RVM</a:t>
-            </a:r>
-            <a:r>
-              <a:rPr lang="en-US" dirty="0" smtClean="0"/>
-              <a:t>.</a:t>
+              <a:t>’, same as RVM.</a:t>
             </a:r>
           </a:p>
           <a:p>
@@ -4084,10 +4082,12 @@
           <a:p>
             <a:r>
               <a:rPr lang="en-US" dirty="0" smtClean="0"/>
-              <a:t>Node’s Event loop</a:t>
-            </a:r>
-          </a:p>
-          <a:p>
+              <a:t>Node’s Event </a:t>
+            </a:r>
+            <a:r>
+              <a:rPr lang="en-US" dirty="0" smtClean="0"/>
+              <a:t>loop</a:t>
+            </a:r>
             <a:endParaRPr lang="en-US" dirty="0"/>
           </a:p>
           <a:p>
@@ -4095,6 +4095,29 @@
               <a:rPr lang="en-US" dirty="0" smtClean="0"/>
               <a:t>Christmas tree problem</a:t>
             </a:r>
+          </a:p>
+          <a:p>
+            <a:r>
+              <a:rPr lang="en-US" dirty="0" smtClean="0"/>
+              <a:t>Node’s convention is to pass the callback function as the last parameter in a </a:t>
+            </a:r>
+            <a:r>
+              <a:rPr lang="en-US" dirty="0" err="1" smtClean="0"/>
+              <a:t>async</a:t>
+            </a:r>
+            <a:r>
+              <a:rPr lang="en-US" dirty="0" smtClean="0"/>
+              <a:t> call.</a:t>
+            </a:r>
+          </a:p>
+          <a:p>
+            <a:r>
+              <a:rPr lang="en-US" dirty="0" smtClean="0"/>
+              <a:t>Error parameter is the first parameter to pass a callback function</a:t>
+            </a:r>
+          </a:p>
+          <a:p>
+            <a:endParaRPr lang="en-US" dirty="0" smtClean="0"/>
           </a:p>
           <a:p>
             <a:endParaRPr lang="en-US" dirty="0"/>
@@ -4118,6 +4141,215 @@
       </p:par>
     </p:tnLst>
   </p:timing>
+</p:sld>
+</file>
+
+<file path=ppt/slides/slide4.xml><?xml version="1.0" encoding="utf-8"?>
+<p:sld xmlns:a="http://schemas.openxmlformats.org/drawingml/2006/main" xmlns:r="http://schemas.openxmlformats.org/officeDocument/2006/relationships" xmlns:p="http://schemas.openxmlformats.org/presentationml/2006/main">
+  <p:cSld>
+    <p:spTree>
+      <p:nvGrpSpPr>
+        <p:cNvPr id="1" name=""/>
+        <p:cNvGrpSpPr/>
+        <p:nvPr/>
+      </p:nvGrpSpPr>
+      <p:grpSpPr>
+        <a:xfrm>
+          <a:off x="0" y="0"/>
+          <a:ext cx="0" cy="0"/>
+          <a:chOff x="0" y="0"/>
+          <a:chExt cx="0" cy="0"/>
+        </a:xfrm>
+      </p:grpSpPr>
+      <p:sp>
+        <p:nvSpPr>
+          <p:cNvPr id="2" name="Title 1"/>
+          <p:cNvSpPr>
+            <a:spLocks noGrp="1"/>
+          </p:cNvSpPr>
+          <p:nvPr>
+            <p:ph type="title"/>
+          </p:nvPr>
+        </p:nvSpPr>
+        <p:spPr/>
+        <p:txBody>
+          <a:bodyPr/>
+          <a:lstStyle/>
+          <a:p>
+            <a:endParaRPr lang="en-US" dirty="0"/>
+          </a:p>
+        </p:txBody>
+      </p:sp>
+      <p:sp>
+        <p:nvSpPr>
+          <p:cNvPr id="3" name="Content Placeholder 2"/>
+          <p:cNvSpPr>
+            <a:spLocks noGrp="1"/>
+          </p:cNvSpPr>
+          <p:nvPr>
+            <p:ph idx="1"/>
+          </p:nvPr>
+        </p:nvSpPr>
+        <p:spPr/>
+        <p:txBody>
+          <a:bodyPr/>
+          <a:lstStyle/>
+          <a:p>
+            <a:r>
+              <a:rPr lang="en-US" dirty="0" smtClean="0"/>
+              <a:t>When using anonymous functions the Variable closures are automatic.</a:t>
+            </a:r>
+          </a:p>
+          <a:p>
+            <a:r>
+              <a:rPr lang="en-US" dirty="0" smtClean="0"/>
+              <a:t>Require() and NPM</a:t>
+            </a:r>
+          </a:p>
+          <a:p>
+            <a:r>
+              <a:rPr lang="en-US" dirty="0" smtClean="0"/>
+              <a:t>You can require a variable from a another JavaScript file.</a:t>
+            </a:r>
+            <a:endParaRPr lang="en-US" dirty="0"/>
+          </a:p>
+          <a:p>
+            <a:r>
+              <a:rPr lang="en-US" dirty="0" err="1" smtClean="0"/>
+              <a:t>module.export</a:t>
+            </a:r>
+            <a:endParaRPr lang="en-US" dirty="0" smtClean="0"/>
+          </a:p>
+          <a:p>
+            <a:r>
+              <a:rPr lang="en-US" dirty="0" smtClean="0"/>
+              <a:t>Node packaged Modules</a:t>
+            </a:r>
+          </a:p>
+          <a:p>
+            <a:r>
+              <a:rPr lang="en-US" dirty="0" err="1" smtClean="0"/>
+              <a:t>npm</a:t>
+            </a:r>
+            <a:r>
+              <a:rPr lang="en-US" dirty="0" smtClean="0"/>
+              <a:t> install </a:t>
+            </a:r>
+            <a:r>
+              <a:rPr lang="en-US" dirty="0" err="1" smtClean="0"/>
+              <a:t>module_name</a:t>
+            </a:r>
+            <a:endParaRPr lang="en-US" dirty="0" smtClean="0"/>
+          </a:p>
+          <a:p>
+            <a:r>
+              <a:rPr lang="en-US" dirty="0" smtClean="0"/>
+              <a:t>Publish own code to NPM</a:t>
+            </a:r>
+          </a:p>
+          <a:p>
+            <a:endParaRPr lang="en-US" dirty="0"/>
+          </a:p>
+        </p:txBody>
+      </p:sp>
+    </p:spTree>
+    <p:extLst>
+      <p:ext uri="{BB962C8B-B14F-4D97-AF65-F5344CB8AC3E}">
+        <p14:creationId xmlns:p14="http://schemas.microsoft.com/office/powerpoint/2010/main" val="2290248476"/>
+      </p:ext>
+    </p:extLst>
+  </p:cSld>
+  <p:clrMapOvr>
+    <a:masterClrMapping/>
+  </p:clrMapOvr>
+</p:sld>
+</file>
+
+<file path=ppt/slides/slide5.xml><?xml version="1.0" encoding="utf-8"?>
+<p:sld xmlns:a="http://schemas.openxmlformats.org/drawingml/2006/main" xmlns:r="http://schemas.openxmlformats.org/officeDocument/2006/relationships" xmlns:p="http://schemas.openxmlformats.org/presentationml/2006/main">
+  <p:cSld>
+    <p:spTree>
+      <p:nvGrpSpPr>
+        <p:cNvPr id="1" name=""/>
+        <p:cNvGrpSpPr/>
+        <p:nvPr/>
+      </p:nvGrpSpPr>
+      <p:grpSpPr>
+        <a:xfrm>
+          <a:off x="0" y="0"/>
+          <a:ext cx="0" cy="0"/>
+          <a:chOff x="0" y="0"/>
+          <a:chExt cx="0" cy="0"/>
+        </a:xfrm>
+      </p:grpSpPr>
+      <p:sp>
+        <p:nvSpPr>
+          <p:cNvPr id="2" name="Title 1"/>
+          <p:cNvSpPr>
+            <a:spLocks noGrp="1"/>
+          </p:cNvSpPr>
+          <p:nvPr>
+            <p:ph type="title"/>
+          </p:nvPr>
+        </p:nvSpPr>
+        <p:spPr/>
+        <p:txBody>
+          <a:bodyPr/>
+          <a:lstStyle/>
+          <a:p>
+            <a:endParaRPr lang="en-US"/>
+          </a:p>
+        </p:txBody>
+      </p:sp>
+      <p:sp>
+        <p:nvSpPr>
+          <p:cNvPr id="3" name="Content Placeholder 2"/>
+          <p:cNvSpPr>
+            <a:spLocks noGrp="1"/>
+          </p:cNvSpPr>
+          <p:nvPr>
+            <p:ph idx="1"/>
+          </p:nvPr>
+        </p:nvSpPr>
+        <p:spPr/>
+        <p:txBody>
+          <a:bodyPr/>
+          <a:lstStyle/>
+          <a:p>
+            <a:r>
+              <a:rPr lang="en-US" dirty="0" smtClean="0"/>
+              <a:t>3 types of modules:</a:t>
+            </a:r>
+          </a:p>
+          <a:p>
+            <a:r>
+              <a:rPr lang="en-US" dirty="0" smtClean="0"/>
+              <a:t>Built in, </a:t>
+            </a:r>
+            <a:r>
+              <a:rPr lang="en-US" smtClean="0"/>
+              <a:t>Own JavaScript </a:t>
+            </a:r>
+            <a:r>
+              <a:rPr lang="en-US" dirty="0" smtClean="0"/>
+              <a:t>files , NPM modules.</a:t>
+            </a:r>
+          </a:p>
+          <a:p>
+            <a:endParaRPr lang="en-US" dirty="0"/>
+          </a:p>
+        </p:txBody>
+      </p:sp>
+    </p:spTree>
+    <p:extLst>
+      <p:ext uri="{BB962C8B-B14F-4D97-AF65-F5344CB8AC3E}">
+        <p14:creationId xmlns:p14="http://schemas.microsoft.com/office/powerpoint/2010/main" val="3328121364"/>
+      </p:ext>
+    </p:extLst>
+  </p:cSld>
+  <p:clrMapOvr>
+    <a:masterClrMapping/>
+  </p:clrMapOvr>
 </p:sld>
 </file>
 

--- a/PPT/Node-JS.pptx
+++ b/PPT/Node-JS.pptx
@@ -3922,8 +3922,17 @@
           <a:p>
             <a:r>
               <a:rPr lang="en-US" dirty="0" smtClean="0"/>
-              <a:t>Node JS is a server side JavaScript platform.</a:t>
-            </a:r>
+              <a:t>Node JS is a server side JavaScript </a:t>
+            </a:r>
+            <a:r>
+              <a:rPr lang="en-US" smtClean="0"/>
+              <a:t>platform</a:t>
+            </a:r>
+            <a:r>
+              <a:rPr lang="en-US" smtClean="0"/>
+              <a:t>. </a:t>
+            </a:r>
+            <a:endParaRPr lang="en-US" dirty="0" smtClean="0"/>
           </a:p>
           <a:p>
             <a:r>
@@ -4082,11 +4091,7 @@
           <a:p>
             <a:r>
               <a:rPr lang="en-US" dirty="0" smtClean="0"/>
-              <a:t>Node’s Event </a:t>
-            </a:r>
-            <a:r>
-              <a:rPr lang="en-US" dirty="0" smtClean="0"/>
-              <a:t>loop</a:t>
+              <a:t>Node’s Event loop</a:t>
             </a:r>
             <a:endParaRPr lang="en-US" dirty="0"/>
           </a:p>
